--- a/interim-062024/nmop-chairs-slides.pptx
+++ b/interim-062024/nmop-chairs-slides.pptx
@@ -6,7 +6,7 @@
     <p:sldMasterId id="2147483665" r:id="rId2"/>
   </p:sldMasterIdLst>
   <p:notesMasterIdLst>
-    <p:notesMasterId r:id="rId10"/>
+    <p:notesMasterId r:id="rId11"/>
   </p:notesMasterIdLst>
   <p:sldIdLst>
     <p:sldId id="256" r:id="rId3"/>
@@ -15,7 +15,8 @@
     <p:sldId id="269" r:id="rId6"/>
     <p:sldId id="270" r:id="rId7"/>
     <p:sldId id="268" r:id="rId8"/>
-    <p:sldId id="271" r:id="rId9"/>
+    <p:sldId id="272" r:id="rId9"/>
+    <p:sldId id="271" r:id="rId10"/>
   </p:sldIdLst>
   <p:sldSz cx="9144000" cy="5143500" type="screen16x9"/>
   <p:notesSz cx="6858000" cy="9144000"/>
@@ -18062,7 +18063,7 @@
         <p:fade/>
       </p:transition>
     </mc:Choice>
-    <mc:Fallback xmlns="" xmlns:mv="urn:schemas-microsoft-com:mac:vml" xmlns:c="http://schemas.openxmlformats.org/drawingml/2006/chart" xmlns:dgm="http://schemas.openxmlformats.org/drawingml/2006/diagram" xmlns:o="urn:schemas-microsoft-com:office:office" xmlns:v="urn:schemas-microsoft-com:vml" xmlns:pvml="urn:schemas-microsoft-com:office:powerpoint" xmlns:com="http://schemas.openxmlformats.org/drawingml/2006/compatibility" xmlns:p15="http://schemas.microsoft.com/office/powerpoint/2012/main" xmlns:ahyp="http://schemas.microsoft.com/office/drawing/2018/hyperlinkcolor">
+    <mc:Fallback xmlns:ahyp="http://schemas.microsoft.com/office/drawing/2018/hyperlinkcolor" xmlns:p15="http://schemas.microsoft.com/office/powerpoint/2012/main" xmlns:com="http://schemas.openxmlformats.org/drawingml/2006/compatibility" xmlns:pvml="urn:schemas-microsoft-com:office:powerpoint" xmlns:v="urn:schemas-microsoft-com:vml" xmlns:o="urn:schemas-microsoft-com:office:office" xmlns:dgm="http://schemas.openxmlformats.org/drawingml/2006/diagram" xmlns:c="http://schemas.openxmlformats.org/drawingml/2006/chart" xmlns:mv="urn:schemas-microsoft-com:mac:vml" xmlns="">
       <p:transition spd="slow">
         <p:fade/>
       </p:transition>
@@ -18488,10 +18489,9 @@
           <a:lstStyle/>
           <a:p>
             <a:r>
-              <a:rPr lang="fr-FR" dirty="0" err="1"/>
-              <a:t>Misc</a:t>
+              <a:rPr lang="fr-FR" dirty="0"/>
+              <a:t>Spread the Word</a:t>
             </a:r>
-            <a:endParaRPr lang="fr-FR" dirty="0"/>
           </a:p>
         </p:txBody>
       </p:sp>
@@ -18534,7 +18534,22 @@
           <a:p>
             <a:r>
               <a:rPr lang="en-US" dirty="0"/>
-              <a:t>Contacted all authors of RFC-8345 to inform them about this effort, invite them to join the discussion, and indicate willingness to contribute to whatever plan will be agreed upon</a:t>
+              <a:t>Contacted all authors of RFC-8345 to inform them about this effort, invite them to join the discussion and indicate willingness to contribute to whatever plan will be agreed upon here in NMOP</a:t>
+            </a:r>
+          </a:p>
+          <a:p>
+            <a:pPr lvl="1"/>
+            <a:r>
+              <a:rPr lang="en-US" dirty="0"/>
+              <a:t>Received positive support from </a:t>
+            </a:r>
+            <a:r>
+              <a:rPr lang="en-US" dirty="0" err="1"/>
+              <a:t>Naitin</a:t>
+            </a:r>
+            <a:r>
+              <a:rPr lang="en-US" dirty="0"/>
+              <a:t> (but no availability to contribute)</a:t>
             </a:r>
           </a:p>
         </p:txBody>
@@ -18591,6 +18606,160 @@
 </file>
 
 <file path=ppt/slides/slide7.xml><?xml version="1.0" encoding="utf-8"?>
+<p:sld xmlns:a="http://schemas.openxmlformats.org/drawingml/2006/main" xmlns:r="http://schemas.openxmlformats.org/officeDocument/2006/relationships" xmlns:p="http://schemas.openxmlformats.org/presentationml/2006/main">
+  <p:cSld>
+    <p:spTree>
+      <p:nvGrpSpPr>
+        <p:cNvPr id="1" name=""/>
+        <p:cNvGrpSpPr/>
+        <p:nvPr/>
+      </p:nvGrpSpPr>
+      <p:grpSpPr>
+        <a:xfrm>
+          <a:off x="0" y="0"/>
+          <a:ext cx="0" cy="0"/>
+          <a:chOff x="0" y="0"/>
+          <a:chExt cx="0" cy="0"/>
+        </a:xfrm>
+      </p:grpSpPr>
+      <p:sp>
+        <p:nvSpPr>
+          <p:cNvPr id="2" name="Titre 1">
+            <a:extLst>
+              <a:ext uri="{FF2B5EF4-FFF2-40B4-BE49-F238E27FC236}">
+                <a16:creationId xmlns:a16="http://schemas.microsoft.com/office/drawing/2014/main" id="{5455D978-8470-75CD-920F-04F730C180E8}"/>
+              </a:ext>
+            </a:extLst>
+          </p:cNvPr>
+          <p:cNvSpPr>
+            <a:spLocks noGrp="1"/>
+          </p:cNvSpPr>
+          <p:nvPr>
+            <p:ph type="title"/>
+          </p:nvPr>
+        </p:nvSpPr>
+        <p:spPr/>
+        <p:txBody>
+          <a:bodyPr/>
+          <a:lstStyle/>
+          <a:p>
+            <a:r>
+              <a:rPr lang="en-US" dirty="0"/>
+              <a:t>Experiments &amp; Running Code</a:t>
+            </a:r>
+          </a:p>
+        </p:txBody>
+      </p:sp>
+      <p:sp>
+        <p:nvSpPr>
+          <p:cNvPr id="3" name="Espace réservé du texte 2">
+            <a:extLst>
+              <a:ext uri="{FF2B5EF4-FFF2-40B4-BE49-F238E27FC236}">
+                <a16:creationId xmlns:a16="http://schemas.microsoft.com/office/drawing/2014/main" id="{343463F7-6225-C3D3-A498-D25CB21FFCCA}"/>
+              </a:ext>
+            </a:extLst>
+          </p:cNvPr>
+          <p:cNvSpPr>
+            <a:spLocks noGrp="1"/>
+          </p:cNvSpPr>
+          <p:nvPr>
+            <p:ph type="body" idx="1"/>
+          </p:nvPr>
+        </p:nvSpPr>
+        <p:spPr/>
+        <p:txBody>
+          <a:bodyPr/>
+          <a:lstStyle/>
+          <a:p>
+            <a:r>
+              <a:rPr lang="en-US" dirty="0"/>
+              <a:t>Bring your code</a:t>
+            </a:r>
+          </a:p>
+          <a:p>
+            <a:r>
+              <a:rPr lang="en-US" dirty="0"/>
+              <a:t>Propose hackathons</a:t>
+            </a:r>
+          </a:p>
+          <a:p>
+            <a:r>
+              <a:rPr lang="en-US" dirty="0"/>
+              <a:t>Run competing experiments</a:t>
+            </a:r>
+          </a:p>
+          <a:p>
+            <a:r>
+              <a:rPr lang="en-US" dirty="0"/>
+              <a:t>Suggest use cases</a:t>
+            </a:r>
+          </a:p>
+          <a:p>
+            <a:r>
+              <a:rPr lang="en-US" dirty="0"/>
+              <a:t>Challenge claimed issues</a:t>
+            </a:r>
+          </a:p>
+          <a:p>
+            <a:endParaRPr lang="en-US" dirty="0"/>
+          </a:p>
+          <a:p>
+            <a:endParaRPr lang="en-US" dirty="0"/>
+          </a:p>
+        </p:txBody>
+      </p:sp>
+      <p:sp>
+        <p:nvSpPr>
+          <p:cNvPr id="4" name="Espace réservé du numéro de diapositive 3">
+            <a:extLst>
+              <a:ext uri="{FF2B5EF4-FFF2-40B4-BE49-F238E27FC236}">
+                <a16:creationId xmlns:a16="http://schemas.microsoft.com/office/drawing/2014/main" id="{EEC653D9-1F9A-FD65-B38C-38802A0AF826}"/>
+              </a:ext>
+            </a:extLst>
+          </p:cNvPr>
+          <p:cNvSpPr>
+            <a:spLocks noGrp="1"/>
+          </p:cNvSpPr>
+          <p:nvPr>
+            <p:ph type="sldNum" idx="12"/>
+          </p:nvPr>
+        </p:nvSpPr>
+        <p:spPr/>
+        <p:txBody>
+          <a:bodyPr/>
+          <a:lstStyle/>
+          <a:p>
+            <a:pPr marL="0" lvl="0" indent="0" algn="r" rtl="0">
+              <a:spcBef>
+                <a:spcPts val="0"/>
+              </a:spcBef>
+              <a:spcAft>
+                <a:spcPts val="0"/>
+              </a:spcAft>
+              <a:buNone/>
+            </a:pPr>
+            <a:fld id="{00000000-1234-1234-1234-123412341234}" type="slidenum">
+              <a:rPr lang="en-US" smtClean="0"/>
+              <a:t>7</a:t>
+            </a:fld>
+            <a:endParaRPr lang="en-US"/>
+          </a:p>
+        </p:txBody>
+      </p:sp>
+    </p:spTree>
+    <p:extLst>
+      <p:ext uri="{BB962C8B-B14F-4D97-AF65-F5344CB8AC3E}">
+        <p14:creationId xmlns:p14="http://schemas.microsoft.com/office/powerpoint/2010/main" val="436578082"/>
+      </p:ext>
+    </p:extLst>
+  </p:cSld>
+  <p:clrMapOvr>
+    <a:masterClrMapping/>
+  </p:clrMapOvr>
+</p:sld>
+</file>
+
+<file path=ppt/slides/slide8.xml><?xml version="1.0" encoding="utf-8"?>
 <p:sld xmlns:a="http://schemas.openxmlformats.org/drawingml/2006/main" xmlns:r="http://schemas.openxmlformats.org/officeDocument/2006/relationships" xmlns:p="http://schemas.openxmlformats.org/presentationml/2006/main">
   <p:cSld>
     <p:spTree>
@@ -18697,7 +18866,7 @@
             </a:pPr>
             <a:fld id="{00000000-1234-1234-1234-123412341234}" type="slidenum">
               <a:rPr lang="en-US" smtClean="0"/>
-              <a:t>7</a:t>
+              <a:t>8</a:t>
             </a:fld>
             <a:endParaRPr lang="en-US"/>
           </a:p>
